--- a/Figures/data-used-in-figure/Figure-2/TMP.pptx
+++ b/Figures/data-used-in-figure/Figure-2/TMP.pptx
@@ -8,10 +8,14 @@
     <p:notesMasterId r:id="rId4"/>
   </p:notesMasterIdLst>
   <p:handoutMasterIdLst>
-    <p:handoutMasterId r:id="rId5"/>
+    <p:handoutMasterId r:id="rId9"/>
   </p:handoutMasterIdLst>
   <p:sldIdLst>
     <p:sldId id="256" r:id="rId3"/>
+    <p:sldId id="257" r:id="rId5"/>
+    <p:sldId id="258" r:id="rId6"/>
+    <p:sldId id="259" r:id="rId7"/>
+    <p:sldId id="260" r:id="rId8"/>
   </p:sldIdLst>
   <p:sldSz cx="12192000" cy="6858000"/>
   <p:notesSz cx="7103745" cy="10234295"/>
@@ -3547,6 +3551,308 @@
     <a:masterClrMapping/>
   </p:clrMapOvr>
 </p:sld>
+</file>
+
+<file path=ppt/slides/slide2.xml><?xml version="1.0" encoding="utf-8"?>
+<p:sld xmlns:a="http://schemas.openxmlformats.org/drawingml/2006/main" xmlns:r="http://schemas.openxmlformats.org/officeDocument/2006/relationships" xmlns:p="http://schemas.openxmlformats.org/presentationml/2006/main">
+  <p:cSld>
+    <p:spTree>
+      <p:nvGrpSpPr>
+        <p:cNvPr id="1" name=""/>
+        <p:cNvGrpSpPr/>
+        <p:nvPr/>
+      </p:nvGrpSpPr>
+      <p:grpSpPr/>
+      <p:pic>
+        <p:nvPicPr>
+          <p:cNvPr id="4" name="图片 3" descr="筛选结构-barplot-v1"/>
+          <p:cNvPicPr>
+            <a:picLocks noChangeAspect="1"/>
+          </p:cNvPicPr>
+          <p:nvPr/>
+        </p:nvPicPr>
+        <p:blipFill>
+          <a:blip r:embed="rId1"/>
+          <a:stretch>
+            <a:fillRect/>
+          </a:stretch>
+        </p:blipFill>
+        <p:spPr>
+          <a:xfrm>
+            <a:off x="2693670" y="0"/>
+            <a:ext cx="4253230" cy="6858000"/>
+          </a:xfrm>
+          <a:prstGeom prst="rect">
+            <a:avLst/>
+          </a:prstGeom>
+        </p:spPr>
+      </p:pic>
+      <p:pic>
+        <p:nvPicPr>
+          <p:cNvPr id="5" name="图片 4" descr="筛选结构-box-v3"/>
+          <p:cNvPicPr>
+            <a:picLocks noChangeAspect="1"/>
+          </p:cNvPicPr>
+          <p:nvPr/>
+        </p:nvPicPr>
+        <p:blipFill>
+          <a:blip r:embed="rId2"/>
+          <a:stretch>
+            <a:fillRect/>
+          </a:stretch>
+        </p:blipFill>
+        <p:spPr>
+          <a:xfrm>
+            <a:off x="7198995" y="379730"/>
+            <a:ext cx="2720340" cy="6099175"/>
+          </a:xfrm>
+          <a:prstGeom prst="rect">
+            <a:avLst/>
+          </a:prstGeom>
+        </p:spPr>
+      </p:pic>
+    </p:spTree>
+  </p:cSld>
+  <p:clrMapOvr>
+    <a:masterClrMapping/>
+  </p:clrMapOvr>
+</p:sld>
+</file>
+
+<file path=ppt/slides/slide3.xml><?xml version="1.0" encoding="utf-8"?>
+<p:sld xmlns:a="http://schemas.openxmlformats.org/drawingml/2006/main" xmlns:r="http://schemas.openxmlformats.org/officeDocument/2006/relationships" xmlns:p="http://schemas.openxmlformats.org/presentationml/2006/main">
+  <p:cSld>
+    <p:spTree>
+      <p:nvGrpSpPr>
+        <p:cNvPr id="1" name=""/>
+        <p:cNvGrpSpPr/>
+        <p:nvPr/>
+      </p:nvGrpSpPr>
+      <p:grpSpPr/>
+      <p:pic>
+        <p:nvPicPr>
+          <p:cNvPr id="5" name="图片 4" descr="筛选结构-barplot-v3"/>
+          <p:cNvPicPr>
+            <a:picLocks noChangeAspect="1"/>
+          </p:cNvPicPr>
+          <p:nvPr/>
+        </p:nvPicPr>
+        <p:blipFill>
+          <a:blip r:embed="rId1"/>
+          <a:srcRect l="6278" r="6307" b="1883"/>
+          <a:stretch>
+            <a:fillRect/>
+          </a:stretch>
+        </p:blipFill>
+        <p:spPr>
+          <a:xfrm>
+            <a:off x="1040765" y="731520"/>
+            <a:ext cx="3916680" cy="5293360"/>
+          </a:xfrm>
+          <a:prstGeom prst="rect">
+            <a:avLst/>
+          </a:prstGeom>
+        </p:spPr>
+      </p:pic>
+      <p:pic>
+        <p:nvPicPr>
+          <p:cNvPr id="6" name="图片 5" descr="筛选结构-box-v4"/>
+          <p:cNvPicPr>
+            <a:picLocks noChangeAspect="1"/>
+          </p:cNvPicPr>
+          <p:nvPr/>
+        </p:nvPicPr>
+        <p:blipFill>
+          <a:blip r:embed="rId2"/>
+          <a:srcRect l="14480" t="5414" b="6740"/>
+          <a:stretch>
+            <a:fillRect/>
+          </a:stretch>
+        </p:blipFill>
+        <p:spPr>
+          <a:xfrm>
+            <a:off x="5068570" y="1010285"/>
+            <a:ext cx="2201545" cy="5048885"/>
+          </a:xfrm>
+          <a:prstGeom prst="rect">
+            <a:avLst/>
+          </a:prstGeom>
+        </p:spPr>
+      </p:pic>
+    </p:spTree>
+  </p:cSld>
+  <p:clrMapOvr>
+    <a:masterClrMapping/>
+  </p:clrMapOvr>
+</p:sld>
+</file>
+
+<file path=ppt/slides/slide4.xml><?xml version="1.0" encoding="utf-8"?>
+<p:sld xmlns:a="http://schemas.openxmlformats.org/drawingml/2006/main" xmlns:r="http://schemas.openxmlformats.org/officeDocument/2006/relationships" xmlns:p="http://schemas.openxmlformats.org/presentationml/2006/main">
+  <p:cSld>
+    <p:spTree>
+      <p:nvGrpSpPr>
+        <p:cNvPr id="1" name=""/>
+        <p:cNvGrpSpPr/>
+        <p:nvPr/>
+      </p:nvGrpSpPr>
+      <p:grpSpPr/>
+      <p:pic>
+        <p:nvPicPr>
+          <p:cNvPr id="6" name="图片 5" descr="G-1"/>
+          <p:cNvPicPr>
+            <a:picLocks noChangeAspect="1"/>
+          </p:cNvPicPr>
+          <p:nvPr/>
+        </p:nvPicPr>
+        <p:blipFill>
+          <a:blip r:embed="rId1"/>
+          <a:stretch>
+            <a:fillRect/>
+          </a:stretch>
+        </p:blipFill>
+        <p:spPr>
+          <a:xfrm>
+            <a:off x="8459470" y="1044575"/>
+            <a:ext cx="2107565" cy="4768850"/>
+          </a:xfrm>
+          <a:prstGeom prst="rect">
+            <a:avLst/>
+          </a:prstGeom>
+        </p:spPr>
+      </p:pic>
+      <p:pic>
+        <p:nvPicPr>
+          <p:cNvPr id="7" name="图片 6" descr="G-2"/>
+          <p:cNvPicPr>
+            <a:picLocks noChangeAspect="1"/>
+          </p:cNvPicPr>
+          <p:nvPr/>
+        </p:nvPicPr>
+        <p:blipFill>
+          <a:blip r:embed="rId2"/>
+          <a:stretch>
+            <a:fillRect/>
+          </a:stretch>
+        </p:blipFill>
+        <p:spPr>
+          <a:xfrm>
+            <a:off x="4034155" y="1367790"/>
+            <a:ext cx="1600200" cy="4366260"/>
+          </a:xfrm>
+          <a:prstGeom prst="rect">
+            <a:avLst/>
+          </a:prstGeom>
+        </p:spPr>
+      </p:pic>
+      <p:pic>
+        <p:nvPicPr>
+          <p:cNvPr id="8" name="图片 7" descr="G-3"/>
+          <p:cNvPicPr>
+            <a:picLocks noChangeAspect="1"/>
+          </p:cNvPicPr>
+          <p:nvPr/>
+        </p:nvPicPr>
+        <p:blipFill>
+          <a:blip r:embed="rId3"/>
+          <a:stretch>
+            <a:fillRect/>
+          </a:stretch>
+        </p:blipFill>
+        <p:spPr>
+          <a:xfrm>
+            <a:off x="2621915" y="1367790"/>
+            <a:ext cx="1600200" cy="4366260"/>
+          </a:xfrm>
+          <a:prstGeom prst="rect">
+            <a:avLst/>
+          </a:prstGeom>
+        </p:spPr>
+      </p:pic>
+    </p:spTree>
+  </p:cSld>
+  <p:clrMapOvr>
+    <a:masterClrMapping/>
+  </p:clrMapOvr>
+</p:sld>
+</file>
+
+<file path=ppt/slides/slide5.xml><?xml version="1.0" encoding="utf-8"?>
+<p:sld xmlns:a="http://schemas.openxmlformats.org/drawingml/2006/main" xmlns:r="http://schemas.openxmlformats.org/officeDocument/2006/relationships" xmlns:p="http://schemas.openxmlformats.org/presentationml/2006/main">
+  <p:cSld>
+    <p:spTree>
+      <p:nvGrpSpPr>
+        <p:cNvPr id="1" name=""/>
+        <p:cNvGrpSpPr/>
+        <p:nvPr/>
+      </p:nvGrpSpPr>
+      <p:grpSpPr/>
+      <p:pic>
+        <p:nvPicPr>
+          <p:cNvPr id="4" name="图片 3" descr="阈值"/>
+          <p:cNvPicPr>
+            <a:picLocks noChangeAspect="1"/>
+          </p:cNvPicPr>
+          <p:nvPr/>
+        </p:nvPicPr>
+        <p:blipFill>
+          <a:blip r:embed="rId1"/>
+          <a:srcRect t="4944" r="19883"/>
+          <a:stretch>
+            <a:fillRect/>
+          </a:stretch>
+        </p:blipFill>
+        <p:spPr>
+          <a:xfrm>
+            <a:off x="58420" y="911860"/>
+            <a:ext cx="5761990" cy="5310505"/>
+          </a:xfrm>
+          <a:prstGeom prst="rect">
+            <a:avLst/>
+          </a:prstGeom>
+        </p:spPr>
+      </p:pic>
+      <p:pic>
+        <p:nvPicPr>
+          <p:cNvPr id="2" name="图片 1" descr="阈值"/>
+          <p:cNvPicPr>
+            <a:picLocks noChangeAspect="1"/>
+          </p:cNvPicPr>
+          <p:nvPr>
+            <p:custDataLst>
+              <p:tags r:id="rId2"/>
+            </p:custDataLst>
+          </p:nvPr>
+        </p:nvPicPr>
+        <p:blipFill>
+          <a:blip r:embed="rId1"/>
+          <a:srcRect t="4944" r="19883"/>
+          <a:stretch>
+            <a:fillRect/>
+          </a:stretch>
+        </p:blipFill>
+        <p:spPr>
+          <a:xfrm>
+            <a:off x="6296660" y="911860"/>
+            <a:ext cx="3847465" cy="5310505"/>
+          </a:xfrm>
+          <a:prstGeom prst="rect">
+            <a:avLst/>
+          </a:prstGeom>
+        </p:spPr>
+      </p:pic>
+    </p:spTree>
+  </p:cSld>
+  <p:clrMapOvr>
+    <a:masterClrMapping/>
+  </p:clrMapOvr>
+</p:sld>
+</file>
+
+<file path=ppt/tags/tag1.xml><?xml version="1.0" encoding="utf-8"?>
+<p:tagLst xmlns:p="http://schemas.openxmlformats.org/presentationml/2006/main">
+  <p:tag name="KSO_WM_BEAUTIFY_FLAG" val=""/>
+</p:tagLst>
 </file>
 
 <file path=ppt/theme/theme1.xml><?xml version="1.0" encoding="utf-8"?>
